--- a/Team_Project1.pptx
+++ b/Team_Project1.pptx
@@ -3801,7 +3801,7 @@
         </p:blipFill>
         <p:spPr>
           <a:xfrm>
-            <a:off x="0" y="641713"/>
+            <a:off x="0" y="558584"/>
             <a:ext cx="12192000" cy="5740831"/>
           </a:xfrm>
           <a:prstGeom prst="rect">
@@ -3869,6 +3869,64 @@
             <a:r>
               <a:rPr lang="en-US" dirty="0"/>
               <a:t>What is the US job Market showing</a:t>
+            </a:r>
+          </a:p>
+        </p:txBody>
+      </p:sp>
+      <p:sp>
+        <p:nvSpPr>
+          <p:cNvPr id="5" name="TextBox 4">
+            <a:extLst>
+              <a:ext uri="{FF2B5EF4-FFF2-40B4-BE49-F238E27FC236}">
+                <a16:creationId xmlns:a16="http://schemas.microsoft.com/office/drawing/2014/main" id="{2B37A3CA-BF61-4DB6-9D92-A6EEDBB2D9CB}"/>
+              </a:ext>
+            </a:extLst>
+          </p:cNvPr>
+          <p:cNvSpPr txBox="1"/>
+          <p:nvPr/>
+        </p:nvSpPr>
+        <p:spPr>
+          <a:xfrm>
+            <a:off x="3430695" y="4055318"/>
+            <a:ext cx="5332870" cy="646331"/>
+          </a:xfrm>
+          <a:prstGeom prst="rect">
+            <a:avLst/>
+          </a:prstGeom>
+          <a:noFill/>
+        </p:spPr>
+        <p:txBody>
+          <a:bodyPr wrap="none" rtlCol="0">
+            <a:spAutoFit/>
+          </a:bodyPr>
+          <a:lstStyle/>
+          <a:p>
+            <a:r>
+              <a:rPr lang="en-US" dirty="0"/>
+              <a:t>Presented by: Zhen Yang, </a:t>
+            </a:r>
+            <a:r>
+              <a:rPr lang="en-US" dirty="0" err="1"/>
+              <a:t>Wenchao</a:t>
+            </a:r>
+            <a:r>
+              <a:rPr lang="en-US" dirty="0"/>
+              <a:t> Wang, Bing Zhang, </a:t>
+            </a:r>
+          </a:p>
+          <a:p>
+            <a:pPr algn="ctr"/>
+            <a:r>
+              <a:rPr lang="en-US" dirty="0"/>
+              <a:t>Enrique </a:t>
+            </a:r>
+            <a:r>
+              <a:rPr lang="en-US" dirty="0" err="1"/>
+              <a:t>Lambrano</a:t>
+            </a:r>
+            <a:r>
+              <a:rPr lang="en-US" dirty="0"/>
+              <a:t> and Kevin Phillips </a:t>
             </a:r>
           </a:p>
         </p:txBody>

--- a/Team_Project1.pptx
+++ b/Team_Project1.pptx
@@ -5,7 +5,7 @@
     <p:sldMasterId id="2147483677" r:id="rId1"/>
   </p:sldMasterIdLst>
   <p:notesMasterIdLst>
-    <p:notesMasterId r:id="rId18"/>
+    <p:notesMasterId r:id="rId19"/>
   </p:notesMasterIdLst>
   <p:sldIdLst>
     <p:sldId id="265" r:id="rId2"/>
@@ -24,6 +24,7 @@
     <p:sldId id="268" r:id="rId15"/>
     <p:sldId id="257" r:id="rId16"/>
     <p:sldId id="262" r:id="rId17"/>
+    <p:sldId id="277" r:id="rId18"/>
   </p:sldIdLst>
   <p:sldSz cx="12192000" cy="6858000"/>
   <p:notesSz cx="6858000" cy="9144000"/>
@@ -3931,6 +3932,41 @@
           </a:p>
         </p:txBody>
       </p:sp>
+      <p:sp>
+        <p:nvSpPr>
+          <p:cNvPr id="6" name="TextBox 5">
+            <a:extLst>
+              <a:ext uri="{FF2B5EF4-FFF2-40B4-BE49-F238E27FC236}">
+                <a16:creationId xmlns:a16="http://schemas.microsoft.com/office/drawing/2014/main" id="{1CBCF221-F719-423C-B18B-37F4F4886A38}"/>
+              </a:ext>
+            </a:extLst>
+          </p:cNvPr>
+          <p:cNvSpPr txBox="1"/>
+          <p:nvPr/>
+        </p:nvSpPr>
+        <p:spPr>
+          <a:xfrm>
+            <a:off x="10351370" y="6533963"/>
+            <a:ext cx="1774397" cy="369332"/>
+          </a:xfrm>
+          <a:prstGeom prst="rect">
+            <a:avLst/>
+          </a:prstGeom>
+          <a:noFill/>
+        </p:spPr>
+        <p:txBody>
+          <a:bodyPr wrap="none" rtlCol="0">
+            <a:spAutoFit/>
+          </a:bodyPr>
+          <a:lstStyle/>
+          <a:p>
+            <a:r>
+              <a:rPr lang="en-US" dirty="0"/>
+              <a:t>January 19, 2019</a:t>
+            </a:r>
+          </a:p>
+        </p:txBody>
+      </p:sp>
     </p:spTree>
     <p:extLst>
       <p:ext uri="{BB962C8B-B14F-4D97-AF65-F5344CB8AC3E}">
@@ -5929,6 +5965,104 @@
     <p:extLst>
       <p:ext uri="{BB962C8B-B14F-4D97-AF65-F5344CB8AC3E}">
         <p14:creationId xmlns:p14="http://schemas.microsoft.com/office/powerpoint/2010/main" val="3419528813"/>
+      </p:ext>
+    </p:extLst>
+  </p:cSld>
+  <p:clrMapOvr>
+    <a:masterClrMapping/>
+  </p:clrMapOvr>
+</p:sld>
+</file>
+
+<file path=ppt/slides/slide17.xml><?xml version="1.0" encoding="utf-8"?>
+<p:sld xmlns:a="http://schemas.openxmlformats.org/drawingml/2006/main" xmlns:r="http://schemas.openxmlformats.org/officeDocument/2006/relationships" xmlns:p="http://schemas.openxmlformats.org/presentationml/2006/main">
+  <p:cSld>
+    <p:spTree>
+      <p:nvGrpSpPr>
+        <p:cNvPr id="1" name=""/>
+        <p:cNvGrpSpPr/>
+        <p:nvPr/>
+      </p:nvGrpSpPr>
+      <p:grpSpPr>
+        <a:xfrm>
+          <a:off x="0" y="0"/>
+          <a:ext cx="0" cy="0"/>
+          <a:chOff x="0" y="0"/>
+          <a:chExt cx="0" cy="0"/>
+        </a:xfrm>
+      </p:grpSpPr>
+      <p:pic>
+        <p:nvPicPr>
+          <p:cNvPr id="4" name="Picture 3">
+            <a:extLst>
+              <a:ext uri="{FF2B5EF4-FFF2-40B4-BE49-F238E27FC236}">
+                <a16:creationId xmlns:a16="http://schemas.microsoft.com/office/drawing/2014/main" id="{84E92FBE-C75E-47C1-B072-DAC782E49319}"/>
+              </a:ext>
+            </a:extLst>
+          </p:cNvPr>
+          <p:cNvPicPr>
+            <a:picLocks noChangeAspect="1"/>
+          </p:cNvPicPr>
+          <p:nvPr/>
+        </p:nvPicPr>
+        <p:blipFill>
+          <a:blip r:embed="rId2">
+            <a:alphaModFix amt="26000"/>
+          </a:blip>
+          <a:stretch>
+            <a:fillRect/>
+          </a:stretch>
+        </p:blipFill>
+        <p:spPr>
+          <a:xfrm>
+            <a:off x="0" y="558584"/>
+            <a:ext cx="12192000" cy="5740831"/>
+          </a:xfrm>
+          <a:prstGeom prst="rect">
+            <a:avLst/>
+          </a:prstGeom>
+          <a:effectLst>
+            <a:reflection blurRad="698500" stA="13000" endPos="40000" dist="50800" dir="5400000" sy="-100000" algn="bl" rotWithShape="0"/>
+          </a:effectLst>
+        </p:spPr>
+      </p:pic>
+      <p:sp>
+        <p:nvSpPr>
+          <p:cNvPr id="2" name="Title 1">
+            <a:extLst>
+              <a:ext uri="{FF2B5EF4-FFF2-40B4-BE49-F238E27FC236}">
+                <a16:creationId xmlns:a16="http://schemas.microsoft.com/office/drawing/2014/main" id="{AD8DDC43-701A-4FDA-9CB1-2A2F178D92F5}"/>
+              </a:ext>
+            </a:extLst>
+          </p:cNvPr>
+          <p:cNvSpPr>
+            <a:spLocks noGrp="1"/>
+          </p:cNvSpPr>
+          <p:nvPr>
+            <p:ph type="ctrTitle"/>
+          </p:nvPr>
+        </p:nvSpPr>
+        <p:spPr>
+          <a:xfrm>
+            <a:off x="1524000" y="1122363"/>
+            <a:ext cx="9144000" cy="2387600"/>
+          </a:xfrm>
+        </p:spPr>
+        <p:txBody>
+          <a:bodyPr/>
+          <a:lstStyle/>
+          <a:p>
+            <a:r>
+              <a:rPr lang="en-US" dirty="0"/>
+              <a:t>Questions?</a:t>
+            </a:r>
+          </a:p>
+        </p:txBody>
+      </p:sp>
+    </p:spTree>
+    <p:extLst>
+      <p:ext uri="{BB962C8B-B14F-4D97-AF65-F5344CB8AC3E}">
+        <p14:creationId xmlns:p14="http://schemas.microsoft.com/office/powerpoint/2010/main" val="2592443941"/>
       </p:ext>
     </p:extLst>
   </p:cSld>

--- a/Team_Project1.pptx
+++ b/Team_Project1.pptx
@@ -8728,8 +8728,37 @@
                   <a:schemeClr val="accent6"/>
                 </a:solidFill>
               </a:rPr>
-              <a:t>Range is around 6,000, the majority is around 4,000</a:t>
-            </a:r>
+              <a:t>Range is </a:t>
+            </a:r>
+            <a:r>
+              <a:rPr lang="en-US">
+                <a:solidFill>
+                  <a:schemeClr val="accent6"/>
+                </a:solidFill>
+              </a:rPr>
+              <a:t>around 60,000</a:t>
+            </a:r>
+            <a:r>
+              <a:rPr lang="en-US" dirty="0">
+                <a:solidFill>
+                  <a:schemeClr val="accent6"/>
+                </a:solidFill>
+              </a:rPr>
+              <a:t>, the majority is </a:t>
+            </a:r>
+            <a:r>
+              <a:rPr lang="en-US">
+                <a:solidFill>
+                  <a:schemeClr val="accent6"/>
+                </a:solidFill>
+              </a:rPr>
+              <a:t>around 40,000</a:t>
+            </a:r>
+            <a:endParaRPr lang="en-US" dirty="0">
+              <a:solidFill>
+                <a:schemeClr val="accent6"/>
+              </a:solidFill>
+            </a:endParaRPr>
           </a:p>
         </p:txBody>
       </p:sp>
